--- a/JavaBasics-master/doc/Java Basics - [3] Introduction to Classes-Objects-Methods.pptx
+++ b/JavaBasics-master/doc/Java Basics - [3] Introduction to Classes-Objects-Methods.pptx
@@ -154,6 +154,36 @@
       </a:defRPr>
     </a:lvl9pPr>
   </p:defaultTextStyle>
+  <p:extLst>
+    <p:ext uri="{EFAFB233-063F-42B5-8137-9DF3F51BA10A}">
+      <p15:sldGuideLst xmlns:p15="http://schemas.microsoft.com/office/powerpoint/2012/main">
+        <p15:guide id="1" orient="horz" pos="2160">
+          <p15:clr>
+            <a:srgbClr val="A4A3A4"/>
+          </p15:clr>
+        </p15:guide>
+        <p15:guide id="2" pos="2880">
+          <p15:clr>
+            <a:srgbClr val="A4A3A4"/>
+          </p15:clr>
+        </p15:guide>
+      </p15:sldGuideLst>
+    </p:ext>
+    <p:ext uri="{2D200454-40CA-4A62-9FC3-DE9A4176ACB9}">
+      <p15:notesGuideLst xmlns:p15="http://schemas.microsoft.com/office/powerpoint/2012/main">
+        <p15:guide id="1" orient="horz" pos="2880">
+          <p15:clr>
+            <a:srgbClr val="A4A3A4"/>
+          </p15:clr>
+        </p15:guide>
+        <p15:guide id="2" pos="2160">
+          <p15:clr>
+            <a:srgbClr val="A4A3A4"/>
+          </p15:clr>
+        </p15:guide>
+      </p15:notesGuideLst>
+    </p:ext>
+  </p:extLst>
 </p:presentation>
 </file>
 
@@ -239,7 +269,7 @@
           <a:p>
             <a:fld id="{E23C31A4-E588-4D7D-8556-3E7A80E3618E}" type="datetimeFigureOut">
               <a:rPr lang="es-MX" smtClean="0"/>
-              <a:t>23/07/2015</a:t>
+              <a:t>09/11/2016</a:t>
             </a:fld>
             <a:endParaRPr lang="es-MX"/>
           </a:p>
@@ -305,7 +335,7 @@
           <a:p>
             <a:fld id="{39A78EEE-C883-43D9-A467-67276DDB57ED}" type="slidenum">
               <a:rPr lang="es-MX" smtClean="0"/>
-              <a:t>‹Nº›</a:t>
+              <a:t>‹#›</a:t>
             </a:fld>
             <a:endParaRPr lang="es-MX"/>
           </a:p>
@@ -417,7 +447,7 @@
               <a:pPr>
                 <a:defRPr/>
               </a:pPr>
-              <a:t>23/07/2015</a:t>
+              <a:t>09/11/2016</a:t>
             </a:fld>
             <a:endParaRPr lang="es-MX" dirty="0"/>
           </a:p>
@@ -592,7 +622,7 @@
               <a:pPr>
                 <a:defRPr/>
               </a:pPr>
-              <a:t>‹Nº›</a:t>
+              <a:t>‹#›</a:t>
             </a:fld>
             <a:endParaRPr lang="es-MX" dirty="0"/>
           </a:p>
@@ -773,7 +803,7 @@
         <p:spPr/>
         <p:txBody>
           <a:bodyPr>
-            <a:normAutofit lnSpcReduction="10000"/>
+            <a:normAutofit fontScale="92500" lnSpcReduction="10000"/>
           </a:bodyPr>
           <a:lstStyle/>
           <a:p>
@@ -2402,7 +2432,7 @@
               <a:pPr>
                 <a:defRPr/>
               </a:pPr>
-              <a:t>‹Nº›</a:t>
+              <a:t>‹#›</a:t>
             </a:fld>
             <a:endParaRPr lang="en-US" noProof="0"/>
           </a:p>
@@ -2885,7 +2915,7 @@
               <a:pPr>
                 <a:defRPr/>
               </a:pPr>
-              <a:t>‹Nº›</a:t>
+              <a:t>‹#›</a:t>
             </a:fld>
             <a:endParaRPr lang="en-US" noProof="0"/>
           </a:p>
@@ -3145,7 +3175,7 @@
               <a:pPr>
                 <a:defRPr/>
               </a:pPr>
-              <a:t>‹Nº›</a:t>
+              <a:t>‹#›</a:t>
             </a:fld>
             <a:endParaRPr lang="en-US" noProof="0"/>
           </a:p>
@@ -3406,7 +3436,7 @@
               <a:pPr>
                 <a:defRPr/>
               </a:pPr>
-              <a:t>‹Nº›</a:t>
+              <a:t>‹#›</a:t>
             </a:fld>
             <a:endParaRPr lang="en-US" noProof="0"/>
           </a:p>
@@ -3489,7 +3519,7 @@
               <a:pPr>
                 <a:defRPr/>
               </a:pPr>
-              <a:t>‹Nº›</a:t>
+              <a:t>‹#›</a:t>
             </a:fld>
             <a:endParaRPr lang="en-US" noProof="0"/>
           </a:p>
@@ -4018,7 +4048,7 @@
               <a:pPr>
                 <a:defRPr/>
               </a:pPr>
-              <a:t>‹Nº›</a:t>
+              <a:t>‹#›</a:t>
             </a:fld>
             <a:endParaRPr lang="en-US" noProof="0"/>
           </a:p>
@@ -5042,7 +5072,7 @@
               <a:pPr>
                 <a:defRPr/>
               </a:pPr>
-              <a:t>‹Nº›</a:t>
+              <a:t>‹#›</a:t>
             </a:fld>
             <a:endParaRPr lang="en-US" noProof="0"/>
           </a:p>
@@ -5974,7 +6004,7 @@
               <a:pPr>
                 <a:defRPr/>
               </a:pPr>
-              <a:t>‹Nº›</a:t>
+              <a:t>‹#›</a:t>
             </a:fld>
             <a:endParaRPr lang="en-US" noProof="0"/>
           </a:p>
@@ -6711,7 +6741,7 @@
               <a:pPr>
                 <a:defRPr/>
               </a:pPr>
-              <a:t>‹Nº›</a:t>
+              <a:t>‹#›</a:t>
             </a:fld>
             <a:endParaRPr lang="en-US" noProof="0"/>
           </a:p>
@@ -10309,7 +10339,7 @@
               <a:pPr>
                 <a:defRPr/>
               </a:pPr>
-              <a:t>‹Nº›</a:t>
+              <a:t>‹#›</a:t>
             </a:fld>
             <a:endParaRPr lang="en-US" noProof="0"/>
           </a:p>
@@ -11077,7 +11107,7 @@
               <a:pPr>
                 <a:defRPr/>
               </a:pPr>
-              <a:t>‹Nº›</a:t>
+              <a:t>‹#›</a:t>
             </a:fld>
             <a:endParaRPr lang="en-US" noProof="0"/>
           </a:p>
@@ -12707,16 +12737,17 @@
           <a:lstStyle/>
           <a:p>
             <a:r>
-              <a:rPr lang="en-US" dirty="0" smtClean="0"/>
-              <a:t>Diego Olvera</a:t>
-            </a:r>
+              <a:rPr lang="en-US" smtClean="0"/>
+              <a:t>Sarahi Flores</a:t>
+            </a:r>
+            <a:endParaRPr lang="en-US" dirty="0" smtClean="0"/>
           </a:p>
           <a:p>
             <a:r>
               <a:rPr lang="en-US" dirty="0" smtClean="0">
                 <a:hlinkClick r:id="rId2"/>
               </a:rPr>
-              <a:t>diego.olvera@softtek.com</a:t>
+              <a:t>sarahi.flores@softtek.com</a:t>
             </a:r>
             <a:r>
               <a:rPr lang="en-US" dirty="0" smtClean="0"/>
@@ -15411,11 +15442,7 @@
             </a:r>
             <a:r>
               <a:rPr lang="en-US" dirty="0"/>
-              <a:t>Java programming language also provides special support for character strings via </a:t>
-            </a:r>
-            <a:r>
-              <a:rPr lang="en-US" dirty="0"/>
-              <a:t>the </a:t>
+              <a:t>Java programming language also provides special support for character strings via the </a:t>
             </a:r>
             <a:r>
               <a:rPr lang="en-US" b="1" i="1" dirty="0" err="1"/>
@@ -15425,7 +15452,6 @@
               <a:rPr lang="en-US" dirty="0"/>
               <a:t> class.</a:t>
             </a:r>
-            <a:endParaRPr lang="en-US" dirty="0"/>
           </a:p>
           <a:p>
             <a:endParaRPr lang="en-US" dirty="0" smtClean="0"/>
@@ -15436,11 +15462,7 @@
             </a:pPr>
             <a:r>
               <a:rPr lang="en-US" dirty="0"/>
-              <a:t>String</a:t>
-            </a:r>
-            <a:r>
-              <a:rPr lang="en-US" dirty="0"/>
-              <a:t> objects are </a:t>
+              <a:t>String objects are </a:t>
             </a:r>
             <a:r>
               <a:rPr lang="en-US" b="1" i="1" dirty="0"/>
@@ -16976,15 +16998,6 @@
 </file>
 
 <file path=customXml/item1.xml><?xml version="1.0" encoding="utf-8"?>
-<?mso-contentType ?>
-<FormTemplates xmlns="http://schemas.microsoft.com/sharepoint/v3/contenttype/forms">
-  <Display>DocumentLibraryForm</Display>
-  <Edit>DocumentLibraryForm</Edit>
-  <New>DocumentLibraryForm</New>
-</FormTemplates>
-</file>
-
-<file path=customXml/item2.xml><?xml version="1.0" encoding="utf-8"?>
 <ct:contentTypeSchema xmlns:ct="http://schemas.microsoft.com/office/2006/metadata/contentType" xmlns:ma="http://schemas.microsoft.com/office/2006/metadata/properties/metaAttributes" ct:_="" ma:_="" ma:contentTypeName="Document" ma:contentTypeID="0x010100BF73FF7AA600A74DA303202E068F3B98" ma:contentTypeVersion="0" ma:contentTypeDescription="Create a new document." ma:contentTypeScope="" ma:versionID="15e34d513bc1c5922fdc1b75015e707c">
   <xsd:schema xmlns:xsd="http://www.w3.org/2001/XMLSchema" xmlns:xs="http://www.w3.org/2001/XMLSchema" xmlns:p="http://schemas.microsoft.com/office/2006/metadata/properties" xmlns:ns2="90e5e253-50b2-47e0-ab40-088f51eedbac" targetNamespace="http://schemas.microsoft.com/office/2006/metadata/properties" ma:root="true" ma:fieldsID="7895aa71ad85a7a2616823a07b65eac8" ns2:_="">
     <xsd:import namespace="90e5e253-50b2-47e0-ab40-088f51eedbac"/>
@@ -17115,6 +17128,15 @@
 </ct:contentTypeSchema>
 </file>
 
+<file path=customXml/item2.xml><?xml version="1.0" encoding="utf-8"?>
+<?mso-contentType ?>
+<FormTemplates xmlns="http://schemas.microsoft.com/sharepoint/v3/contenttype/forms">
+  <Display>DocumentLibraryForm</Display>
+  <Edit>DocumentLibraryForm</Edit>
+  <New>DocumentLibraryForm</New>
+</FormTemplates>
+</file>
+
 <file path=customXml/item3.xml><?xml version="1.0" encoding="utf-8"?>
 <p:properties xmlns:p="http://schemas.microsoft.com/office/2006/metadata/properties" xmlns:xsi="http://www.w3.org/2001/XMLSchema-instance" xmlns:pc="http://schemas.microsoft.com/office/infopath/2007/PartnerControls">
   <documentManagement>
@@ -17124,14 +17146,6 @@
 </file>
 
 <file path=customXml/itemProps1.xml><?xml version="1.0" encoding="utf-8"?>
-<ds:datastoreItem xmlns:ds="http://schemas.openxmlformats.org/officeDocument/2006/customXml" ds:itemID="{9D25E79C-CB22-414C-9E48-01ED10321A76}">
-  <ds:schemaRefs>
-    <ds:schemaRef ds:uri="http://schemas.microsoft.com/sharepoint/v3/contenttype/forms"/>
-  </ds:schemaRefs>
-</ds:datastoreItem>
-</file>
-
-<file path=customXml/itemProps2.xml><?xml version="1.0" encoding="utf-8"?>
 <ds:datastoreItem xmlns:ds="http://schemas.openxmlformats.org/officeDocument/2006/customXml" ds:itemID="{42AE7D4F-FA53-4617-A082-86779C2B9BEF}">
   <ds:schemaRefs>
     <ds:schemaRef ds:uri="http://schemas.microsoft.com/office/2006/metadata/contentType"/>
@@ -17145,6 +17159,14 @@
     <ds:schemaRef ds:uri="http://purl.org/dc/elements/1.1/"/>
     <ds:schemaRef ds:uri="http://purl.org/dc/terms/"/>
     <ds:schemaRef ds:uri="http://schemas.microsoft.com/internal/obd"/>
+  </ds:schemaRefs>
+</ds:datastoreItem>
+</file>
+
+<file path=customXml/itemProps2.xml><?xml version="1.0" encoding="utf-8"?>
+<ds:datastoreItem xmlns:ds="http://schemas.openxmlformats.org/officeDocument/2006/customXml" ds:itemID="{9D25E79C-CB22-414C-9E48-01ED10321A76}">
+  <ds:schemaRefs>
+    <ds:schemaRef ds:uri="http://schemas.microsoft.com/sharepoint/v3/contenttype/forms"/>
   </ds:schemaRefs>
 </ds:datastoreItem>
 </file>
